--- a/Semana 6/Software Architecture.pptx
+++ b/Semana 6/Software Architecture.pptx
@@ -119,6 +119,11 @@
       </a:defRPr>
     </a:lvl9pPr>
   </p:defaultTextStyle>
+  <p:extLst>
+    <p:ext uri="{EFAFB233-063F-42B5-8137-9DF3F51BA10A}">
+      <p15:sldGuideLst xmlns:p15="http://schemas.microsoft.com/office/powerpoint/2012/main"/>
+    </p:ext>
+  </p:extLst>
 </p:presentation>
 </file>
 
@@ -204,7 +209,7 @@
           <a:p>
             <a:fld id="{816B5219-ECB3-4DC7-9289-1C92E3D71D6E}" type="datetimeFigureOut">
               <a:rPr lang="en-US" smtClean="0"/>
-              <a:t>9/11/2025</a:t>
+              <a:t>9/18/2025</a:t>
             </a:fld>
             <a:endParaRPr lang="en-US"/>
           </a:p>
@@ -882,7 +887,7 @@
           <a:p>
             <a:fld id="{B4201E52-65A4-4AEB-9161-47877AACE3A2}" type="datetimeFigureOut">
               <a:rPr lang="en-US" smtClean="0"/>
-              <a:t>9/11/2025</a:t>
+              <a:t>9/18/2025</a:t>
             </a:fld>
             <a:endParaRPr lang="en-US"/>
           </a:p>
@@ -1080,7 +1085,7 @@
           <a:p>
             <a:fld id="{B4201E52-65A4-4AEB-9161-47877AACE3A2}" type="datetimeFigureOut">
               <a:rPr lang="en-US" smtClean="0"/>
-              <a:t>9/11/2025</a:t>
+              <a:t>9/18/2025</a:t>
             </a:fld>
             <a:endParaRPr lang="en-US"/>
           </a:p>
@@ -1288,7 +1293,7 @@
           <a:p>
             <a:fld id="{B4201E52-65A4-4AEB-9161-47877AACE3A2}" type="datetimeFigureOut">
               <a:rPr lang="en-US" smtClean="0"/>
-              <a:t>9/11/2025</a:t>
+              <a:t>9/18/2025</a:t>
             </a:fld>
             <a:endParaRPr lang="en-US"/>
           </a:p>
@@ -1486,7 +1491,7 @@
           <a:p>
             <a:fld id="{B4201E52-65A4-4AEB-9161-47877AACE3A2}" type="datetimeFigureOut">
               <a:rPr lang="en-US" smtClean="0"/>
-              <a:t>9/11/2025</a:t>
+              <a:t>9/18/2025</a:t>
             </a:fld>
             <a:endParaRPr lang="en-US"/>
           </a:p>
@@ -1761,7 +1766,7 @@
           <a:p>
             <a:fld id="{B4201E52-65A4-4AEB-9161-47877AACE3A2}" type="datetimeFigureOut">
               <a:rPr lang="en-US" smtClean="0"/>
-              <a:t>9/11/2025</a:t>
+              <a:t>9/18/2025</a:t>
             </a:fld>
             <a:endParaRPr lang="en-US"/>
           </a:p>
@@ -2026,7 +2031,7 @@
           <a:p>
             <a:fld id="{B4201E52-65A4-4AEB-9161-47877AACE3A2}" type="datetimeFigureOut">
               <a:rPr lang="en-US" smtClean="0"/>
-              <a:t>9/11/2025</a:t>
+              <a:t>9/18/2025</a:t>
             </a:fld>
             <a:endParaRPr lang="en-US"/>
           </a:p>
@@ -2438,7 +2443,7 @@
           <a:p>
             <a:fld id="{B4201E52-65A4-4AEB-9161-47877AACE3A2}" type="datetimeFigureOut">
               <a:rPr lang="en-US" smtClean="0"/>
-              <a:t>9/11/2025</a:t>
+              <a:t>9/18/2025</a:t>
             </a:fld>
             <a:endParaRPr lang="en-US"/>
           </a:p>
@@ -2579,7 +2584,7 @@
           <a:p>
             <a:fld id="{B4201E52-65A4-4AEB-9161-47877AACE3A2}" type="datetimeFigureOut">
               <a:rPr lang="en-US" smtClean="0"/>
-              <a:t>9/11/2025</a:t>
+              <a:t>9/18/2025</a:t>
             </a:fld>
             <a:endParaRPr lang="en-US"/>
           </a:p>
@@ -2692,7 +2697,7 @@
           <a:p>
             <a:fld id="{B4201E52-65A4-4AEB-9161-47877AACE3A2}" type="datetimeFigureOut">
               <a:rPr lang="en-US" smtClean="0"/>
-              <a:t>9/11/2025</a:t>
+              <a:t>9/18/2025</a:t>
             </a:fld>
             <a:endParaRPr lang="en-US"/>
           </a:p>
@@ -3003,7 +3008,7 @@
           <a:p>
             <a:fld id="{B4201E52-65A4-4AEB-9161-47877AACE3A2}" type="datetimeFigureOut">
               <a:rPr lang="en-US" smtClean="0"/>
-              <a:t>9/11/2025</a:t>
+              <a:t>9/18/2025</a:t>
             </a:fld>
             <a:endParaRPr lang="en-US"/>
           </a:p>
@@ -3291,7 +3296,7 @@
           <a:p>
             <a:fld id="{B4201E52-65A4-4AEB-9161-47877AACE3A2}" type="datetimeFigureOut">
               <a:rPr lang="en-US" smtClean="0"/>
-              <a:t>9/11/2025</a:t>
+              <a:t>9/18/2025</a:t>
             </a:fld>
             <a:endParaRPr lang="en-US"/>
           </a:p>
@@ -3532,7 +3537,7 @@
           <a:p>
             <a:fld id="{B4201E52-65A4-4AEB-9161-47877AACE3A2}" type="datetimeFigureOut">
               <a:rPr lang="en-US" smtClean="0"/>
-              <a:t>9/11/2025</a:t>
+              <a:t>9/18/2025</a:t>
             </a:fld>
             <a:endParaRPr lang="en-US"/>
           </a:p>
@@ -4349,22 +4354,14 @@
           <a:p>
             <a:r>
               <a:rPr lang="en-US" dirty="0"/>
-              <a:t>Validate that you have enough credits</a:t>
-            </a:r>
-            <a:r>
-              <a:rPr lang="en-US"/>
-              <a:t>. </a:t>
-            </a:r>
-            <a:endParaRPr lang="en-US" dirty="0"/>
+              <a:t>Validate that you have enough credits.</a:t>
+            </a:r>
           </a:p>
           <a:p>
             <a:r>
               <a:rPr lang="en-US" dirty="0"/>
-              <a:t>Do not put any cards and play with free services for now.</a:t>
-            </a:r>
-          </a:p>
-          <a:p>
-            <a:endParaRPr lang="en-US" dirty="0"/>
+              <a:t>Play around with the service.</a:t>
+            </a:r>
           </a:p>
         </p:txBody>
       </p:sp>
@@ -4447,7 +4444,25 @@
           <a:bodyPr/>
           <a:lstStyle/>
           <a:p>
-            <a:endParaRPr lang="en-US"/>
+            <a:r>
+              <a:rPr lang="en-US" dirty="0">
+                <a:hlinkClick r:id="rId2"/>
+              </a:rPr>
+              <a:t>Best Practices in Software Architecture for Scalable, Secure, and Maintainable Systems - DEV Community</a:t>
+            </a:r>
+            <a:endParaRPr lang="en-US" dirty="0"/>
+          </a:p>
+          <a:p>
+            <a:endParaRPr lang="en-US" dirty="0"/>
+          </a:p>
+          <a:p>
+            <a:r>
+              <a:rPr lang="en-US" dirty="0">
+                <a:hlinkClick r:id="rId3"/>
+              </a:rPr>
+              <a:t>Software Architecture Design Best Practices You Should Know</a:t>
+            </a:r>
+            <a:endParaRPr lang="en-US" dirty="0"/>
           </a:p>
         </p:txBody>
       </p:sp>
